--- a/2015-2016/clases/informatica_basica/clase_7/clase_7.pptx
+++ b/2015-2016/clases/informatica_basica/clase_7/clase_7.pptx
@@ -5260,10 +5260,10 @@
           <a:bodyPr lIns="0" tIns="0" rIns="0" bIns="0"/>
           <a:lstStyle/>
           <a:p>
-            <a:pPr>
+            <a:pPr marL="457200" indent="-457200">
               <a:buSzPct val="45000"/>
-              <a:buFont typeface="StarSymbol"/>
-              <a:buChar char=""/>
+              <a:buFont typeface="Wingdings" pitchFamily="2" charset="2"/>
+              <a:buChar char="Ø"/>
             </a:pPr>
             <a:r>
               <a:rPr lang="es-EC" sz="2600" dirty="0">
@@ -5286,16 +5286,22 @@
             <a:endParaRPr sz="2600" dirty="0"/>
           </a:p>
           <a:p>
-            <a:pPr>
+            <a:pPr marL="457200" indent="-457200">
               <a:buSzPct val="45000"/>
-              <a:buFont typeface="StarSymbol"/>
-              <a:buChar char=""/>
-            </a:pPr>
+              <a:buFont typeface="Wingdings" pitchFamily="2" charset="2"/>
+              <a:buChar char="Ø"/>
+            </a:pPr>
+            <a:r>
+              <a:rPr lang="es-EC" sz="2600" dirty="0" smtClean="0">
+                <a:latin typeface="Arial"/>
+              </a:rPr>
+              <a:t>El </a:t>
+            </a:r>
             <a:r>
               <a:rPr lang="es-EC" sz="2600" dirty="0">
                 <a:latin typeface="Arial"/>
               </a:rPr>
-              <a:t> El panel de control es un programa independiente, no una carpeta como aparece, que está alcanzado del menú del comienzo, y se almacena en el directorio system32 de la </a:t>
+              <a:t>panel de control es un programa independiente, no una carpeta como aparece, que está alcanzado del menú del comienzo, y se almacena en el directorio system32 de la </a:t>
             </a:r>
             <a:r>
               <a:rPr lang="es-EC" sz="2600" dirty="0" err="1">
@@ -5384,10 +5390,10 @@
           <a:bodyPr lIns="0" tIns="0" rIns="0" bIns="0"/>
           <a:lstStyle/>
           <a:p>
-            <a:pPr>
+            <a:pPr marL="342900" indent="-342900">
               <a:buSzPct val="45000"/>
-              <a:buFont typeface="StarSymbol"/>
-              <a:buChar char=""/>
+              <a:buFont typeface="Wingdings" pitchFamily="2" charset="2"/>
+              <a:buChar char="Ø"/>
             </a:pPr>
             <a:r>
               <a:rPr lang="es-EC" sz="2400" b="1" dirty="0">
@@ -5416,10 +5422,10 @@
             <a:endParaRPr sz="2400" dirty="0"/>
           </a:p>
           <a:p>
-            <a:pPr>
+            <a:pPr marL="342900" indent="-342900">
               <a:buSzPct val="45000"/>
-              <a:buFont typeface="StarSymbol"/>
-              <a:buChar char=""/>
+              <a:buFont typeface="Wingdings" pitchFamily="2" charset="2"/>
+              <a:buChar char="Ø"/>
             </a:pPr>
             <a:r>
               <a:rPr lang="es-EC" sz="2400" b="1" dirty="0">
@@ -5448,10 +5454,10 @@
             <a:endParaRPr sz="2400" dirty="0"/>
           </a:p>
           <a:p>
-            <a:pPr>
+            <a:pPr marL="342900" indent="-342900">
               <a:buSzPct val="45000"/>
-              <a:buFont typeface="StarSymbol"/>
-              <a:buChar char=""/>
+              <a:buFont typeface="Wingdings" pitchFamily="2" charset="2"/>
+              <a:buChar char="Ø"/>
             </a:pPr>
             <a:r>
               <a:rPr lang="es-EC" sz="2400" b="1" dirty="0">
@@ -5540,10 +5546,10 @@
           <a:bodyPr lIns="0" tIns="0" rIns="0" bIns="0"/>
           <a:lstStyle/>
           <a:p>
-            <a:pPr>
+            <a:pPr marL="342900" indent="-342900">
               <a:buSzPct val="45000"/>
-              <a:buFont typeface="StarSymbol"/>
-              <a:buChar char=""/>
+              <a:buFont typeface="Wingdings" pitchFamily="2" charset="2"/>
+              <a:buChar char="Ø"/>
             </a:pPr>
             <a:r>
               <a:rPr lang="es-EC" sz="2400" b="1" dirty="0">
@@ -5566,10 +5572,10 @@
             <a:endParaRPr sz="2400" dirty="0"/>
           </a:p>
           <a:p>
-            <a:pPr>
+            <a:pPr marL="342900" indent="-342900">
               <a:buSzPct val="45000"/>
-              <a:buFont typeface="StarSymbol"/>
-              <a:buChar char=""/>
+              <a:buFont typeface="Wingdings" pitchFamily="2" charset="2"/>
+              <a:buChar char="Ø"/>
             </a:pPr>
             <a:r>
               <a:rPr lang="es-EC" sz="2400" b="1" dirty="0" smtClean="0">
@@ -5598,10 +5604,10 @@
             <a:endParaRPr lang="es-EC" sz="2400" dirty="0"/>
           </a:p>
           <a:p>
-            <a:pPr>
+            <a:pPr marL="342900" indent="-342900">
               <a:buSzPct val="45000"/>
-              <a:buFont typeface="StarSymbol"/>
-              <a:buChar char=""/>
+              <a:buFont typeface="Wingdings" pitchFamily="2" charset="2"/>
+              <a:buChar char="Ø"/>
             </a:pPr>
             <a:r>
               <a:rPr lang="es-EC" sz="2400" b="1" dirty="0" smtClean="0">
@@ -5630,10 +5636,10 @@
             <a:endParaRPr lang="es-EC" sz="2400" dirty="0"/>
           </a:p>
           <a:p>
-            <a:pPr>
+            <a:pPr marL="342900" indent="-342900">
               <a:buSzPct val="45000"/>
-              <a:buFont typeface="StarSymbol"/>
-              <a:buChar char=""/>
+              <a:buFont typeface="Wingdings" pitchFamily="2" charset="2"/>
+              <a:buChar char="Ø"/>
             </a:pPr>
             <a:r>
               <a:rPr lang="es-EC" sz="2400" b="1" dirty="0" smtClean="0">
@@ -5656,10 +5662,10 @@
             <a:endParaRPr sz="2400" dirty="0"/>
           </a:p>
           <a:p>
-            <a:pPr>
+            <a:pPr marL="342900" indent="-342900">
               <a:buSzPct val="45000"/>
-              <a:buFont typeface="StarSymbol"/>
-              <a:buChar char=""/>
+              <a:buFont typeface="Wingdings" pitchFamily="2" charset="2"/>
+              <a:buChar char="Ø"/>
             </a:pPr>
             <a:r>
               <a:rPr lang="es-EC" sz="2400" b="1" dirty="0">
@@ -5676,18 +5682,18 @@
             <a:endParaRPr sz="2400" dirty="0"/>
           </a:p>
           <a:p>
-            <a:pPr>
+            <a:pPr marL="342900" indent="-342900">
               <a:buSzPct val="45000"/>
-              <a:buFont typeface="StarSymbol"/>
-              <a:buChar char=""/>
+              <a:buFont typeface="Wingdings" pitchFamily="2" charset="2"/>
+              <a:buChar char="Ø"/>
             </a:pPr>
             <a:endParaRPr sz="2400" dirty="0"/>
           </a:p>
           <a:p>
-            <a:pPr>
+            <a:pPr marL="342900" indent="-342900">
               <a:buSzPct val="45000"/>
-              <a:buFont typeface="StarSymbol"/>
-              <a:buChar char=""/>
+              <a:buFont typeface="Wingdings" pitchFamily="2" charset="2"/>
+              <a:buChar char="Ø"/>
             </a:pPr>
             <a:endParaRPr sz="2400" dirty="0"/>
           </a:p>
@@ -5765,182 +5771,194 @@
           <a:lstStyle/>
           <a:p>
             <a:r>
-              <a:rPr lang="es-EC" sz="2100" b="1">
+              <a:rPr lang="es-EC" sz="2100" b="1" dirty="0">
                 <a:latin typeface="Colibri"/>
               </a:rPr>
               <a:t>Conexiones de red e Internet:</a:t>
             </a:r>
             <a:r>
-              <a:rPr lang="es-EC" sz="2100">
+              <a:rPr lang="es-EC" sz="2100" dirty="0">
                 <a:latin typeface="Colibri"/>
               </a:rPr>
               <a:t> En esta sección se puede configurar todo lo relacionado a redes:</a:t>
             </a:r>
-            <a:endParaRPr/>
-          </a:p>
-          <a:p>
-            <a:endParaRPr/>
-          </a:p>
-          <a:p>
-            <a:pPr>
+            <a:endParaRPr dirty="0"/>
+          </a:p>
+          <a:p>
+            <a:endParaRPr dirty="0"/>
+          </a:p>
+          <a:p>
+            <a:pPr marL="342900" indent="-342900">
               <a:buSzPct val="45000"/>
-              <a:buFont typeface="StarSymbol"/>
-              <a:buChar char=""/>
-            </a:pPr>
-            <a:r>
-              <a:rPr lang="es-EC" sz="2100">
+              <a:buFont typeface="Wingdings" pitchFamily="2" charset="2"/>
+              <a:buChar char="Ø"/>
+            </a:pPr>
+            <a:r>
+              <a:rPr lang="es-EC" sz="2100" dirty="0">
                 <a:latin typeface="Colibri"/>
               </a:rPr>
               <a:t>Conexiones por cables</a:t>
             </a:r>
-            <a:endParaRPr/>
-          </a:p>
-          <a:p>
-            <a:pPr>
+            <a:endParaRPr dirty="0"/>
+          </a:p>
+          <a:p>
+            <a:pPr marL="342900" indent="-342900">
               <a:buSzPct val="45000"/>
-              <a:buFont typeface="StarSymbol"/>
-              <a:buChar char=""/>
-            </a:pPr>
-            <a:r>
-              <a:rPr lang="es-EC" sz="2100">
+              <a:buFont typeface="Wingdings" pitchFamily="2" charset="2"/>
+              <a:buChar char="Ø"/>
+            </a:pPr>
+            <a:r>
+              <a:rPr lang="es-EC" sz="2100" dirty="0">
                 <a:latin typeface="Colibri"/>
               </a:rPr>
               <a:t>Conexiones inalámbricas</a:t>
             </a:r>
-            <a:endParaRPr/>
-          </a:p>
-          <a:p>
-            <a:pPr>
+            <a:endParaRPr dirty="0"/>
+          </a:p>
+          <a:p>
+            <a:pPr marL="342900" indent="-342900">
               <a:buSzPct val="45000"/>
-              <a:buFont typeface="StarSymbol"/>
-              <a:buChar char=""/>
-            </a:pPr>
-            <a:r>
-              <a:rPr lang="es-EC" sz="2100">
+              <a:buFont typeface="Wingdings" pitchFamily="2" charset="2"/>
+              <a:buChar char="Ø"/>
+            </a:pPr>
+            <a:r>
+              <a:rPr lang="es-EC" sz="2100" dirty="0">
                 <a:latin typeface="Colibri"/>
               </a:rPr>
               <a:t>Opciones de Internet Explorer</a:t>
             </a:r>
-            <a:endParaRPr/>
-          </a:p>
-          <a:p>
-            <a:pPr>
+            <a:endParaRPr dirty="0"/>
+          </a:p>
+          <a:p>
+            <a:pPr marL="342900" indent="-342900">
               <a:buSzPct val="45000"/>
-              <a:buFont typeface="StarSymbol"/>
-              <a:buChar char=""/>
-            </a:pPr>
-            <a:r>
-              <a:rPr lang="es-EC" sz="2100">
+              <a:buFont typeface="Wingdings" pitchFamily="2" charset="2"/>
+              <a:buChar char="Ø"/>
+            </a:pPr>
+            <a:r>
+              <a:rPr lang="es-EC" sz="2100" dirty="0">
                 <a:latin typeface="Colibri"/>
               </a:rPr>
               <a:t>Asistente de conexión a internet</a:t>
             </a:r>
-            <a:endParaRPr/>
-          </a:p>
-          <a:p>
-            <a:pPr>
+            <a:endParaRPr dirty="0"/>
+          </a:p>
+          <a:p>
+            <a:pPr marL="342900" indent="-342900">
               <a:buSzPct val="45000"/>
-              <a:buFont typeface="StarSymbol"/>
-              <a:buChar char=""/>
-            </a:pPr>
-            <a:r>
-              <a:rPr lang="es-EC" sz="2100">
+              <a:buFont typeface="Wingdings" pitchFamily="2" charset="2"/>
+              <a:buChar char="Ø"/>
+            </a:pPr>
+            <a:r>
+              <a:rPr lang="es-EC" sz="2100" dirty="0">
                 <a:latin typeface="Colibri"/>
               </a:rPr>
               <a:t>Firewall de Windows</a:t>
             </a:r>
-            <a:endParaRPr/>
-          </a:p>
-          <a:p>
-            <a:pPr>
+            <a:endParaRPr dirty="0"/>
+          </a:p>
+          <a:p>
+            <a:pPr marL="342900" indent="-342900">
               <a:buSzPct val="45000"/>
-              <a:buFont typeface="StarSymbol"/>
-              <a:buChar char=""/>
-            </a:pPr>
-            <a:r>
-              <a:rPr lang="es-EC" sz="2100">
+              <a:buFont typeface="Wingdings" pitchFamily="2" charset="2"/>
+              <a:buChar char="Ø"/>
+            </a:pPr>
+            <a:r>
+              <a:rPr lang="es-EC" sz="2100" dirty="0">
                 <a:latin typeface="Colibri"/>
               </a:rPr>
               <a:t>Crear nuevas conexiones</a:t>
             </a:r>
-            <a:endParaRPr/>
-          </a:p>
-          <a:p>
-            <a:endParaRPr/>
-          </a:p>
-          <a:p>
-            <a:r>
-              <a:rPr lang="es-EC" sz="2100" b="1">
+            <a:endParaRPr dirty="0"/>
+          </a:p>
+          <a:p>
+            <a:endParaRPr dirty="0"/>
+          </a:p>
+          <a:p>
+            <a:r>
+              <a:rPr lang="es-EC" sz="2100" b="1" dirty="0">
                 <a:latin typeface="Colibri"/>
               </a:rPr>
               <a:t>Cuentas de usuario:</a:t>
             </a:r>
             <a:r>
-              <a:rPr lang="es-EC" sz="2100">
+              <a:rPr lang="es-EC" sz="2100" dirty="0">
                 <a:latin typeface="Colibri"/>
               </a:rPr>
               <a:t> Se pueden agregar, borrar o modificar las cuentas de los usuarios. Entre las modificaciones que se pueden realizar en esta sección están:</a:t>
             </a:r>
-            <a:endParaRPr/>
-          </a:p>
-          <a:p>
-            <a:endParaRPr/>
-          </a:p>
-          <a:p>
-            <a:pPr>
+            <a:endParaRPr dirty="0"/>
+          </a:p>
+          <a:p>
+            <a:endParaRPr dirty="0"/>
+          </a:p>
+          <a:p>
+            <a:pPr marL="342900" indent="-342900">
               <a:buSzPct val="45000"/>
-              <a:buFont typeface="StarSymbol"/>
-              <a:buChar char=""/>
-            </a:pPr>
-            <a:r>
-              <a:rPr lang="es-EC" sz="2100">
+              <a:buFont typeface="Wingdings" pitchFamily="2" charset="2"/>
+              <a:buChar char="Ø"/>
+            </a:pPr>
+            <a:r>
+              <a:rPr lang="es-EC" sz="2100" dirty="0">
                 <a:latin typeface="Colibri"/>
               </a:rPr>
               <a:t>Cambiar la imagen que identifica al usuario</a:t>
             </a:r>
-            <a:endParaRPr/>
-          </a:p>
-          <a:p>
-            <a:pPr>
+            <a:endParaRPr dirty="0"/>
+          </a:p>
+          <a:p>
+            <a:pPr marL="342900" indent="-342900">
               <a:buSzPct val="45000"/>
-              <a:buFont typeface="StarSymbol"/>
-              <a:buChar char=""/>
-            </a:pPr>
-            <a:r>
-              <a:rPr lang="es-EC" sz="2100">
+              <a:buFont typeface="Wingdings" pitchFamily="2" charset="2"/>
+              <a:buChar char="Ø"/>
+            </a:pPr>
+            <a:r>
+              <a:rPr lang="es-EC" sz="2100" dirty="0">
                 <a:latin typeface="Colibri"/>
               </a:rPr>
-              <a:t>Cambiar clave</a:t>
-            </a:r>
-            <a:endParaRPr/>
-          </a:p>
-          <a:p>
-            <a:pPr>
+              <a:t>Cambiar </a:t>
+            </a:r>
+            <a:r>
+              <a:rPr lang="es-EC" sz="2100" dirty="0" smtClean="0">
+                <a:latin typeface="Colibri"/>
+              </a:rPr>
+              <a:t>clave</a:t>
+            </a:r>
+            <a:endParaRPr dirty="0" smtClean="0"/>
+          </a:p>
+          <a:p>
+            <a:pPr marL="342900" indent="-342900">
               <a:buSzPct val="45000"/>
-              <a:buFont typeface="StarSymbol"/>
-              <a:buChar char=""/>
-            </a:pPr>
-            <a:r>
-              <a:rPr lang="es-EC" sz="2100">
+              <a:buFont typeface="Wingdings" pitchFamily="2" charset="2"/>
+              <a:buChar char="Ø"/>
+            </a:pPr>
+            <a:r>
+              <a:rPr lang="es-EC" sz="2100" dirty="0" smtClean="0">
                 <a:latin typeface="Colibri"/>
               </a:rPr>
               <a:t>Cambiar el tipo de usuario (cuenta limitada o de administrador)</a:t>
             </a:r>
-            <a:endParaRPr/>
-          </a:p>
-          <a:p>
-            <a:pPr>
+            <a:endParaRPr dirty="0" smtClean="0"/>
+          </a:p>
+          <a:p>
+            <a:pPr marL="342900" indent="-342900">
               <a:buSzPct val="45000"/>
-              <a:buFont typeface="StarSymbol"/>
-              <a:buChar char=""/>
-            </a:pPr>
-            <a:r>
-              <a:rPr lang="es-EC" sz="2100">
+              <a:buFont typeface="Wingdings" pitchFamily="2" charset="2"/>
+              <a:buChar char="Ø"/>
+            </a:pPr>
+            <a:r>
+              <a:rPr lang="es-EC" sz="2100" dirty="0" smtClean="0">
                 <a:latin typeface="Colibri"/>
               </a:rPr>
-              <a:t>Habilitar o deshabilitar la cuenta de “Visitante” para dar acceso a personas que ocasionalmente utilicen la computadora</a:t>
-            </a:r>
-            <a:endParaRPr/>
+              <a:t>Habilitar </a:t>
+            </a:r>
+            <a:r>
+              <a:rPr lang="es-EC" sz="2100" dirty="0">
+                <a:latin typeface="Colibri"/>
+              </a:rPr>
+              <a:t>o deshabilitar la cuenta de “Visitante” para dar acceso a personas que ocasionalmente utilicen la computadora</a:t>
+            </a:r>
+            <a:endParaRPr dirty="0"/>
           </a:p>
         </p:txBody>
       </p:sp>
@@ -6652,16 +6670,26 @@
           <a:p>
             <a:pPr>
               <a:buSzPct val="45000"/>
-              <a:buFont typeface="StarSymbol"/>
-              <a:buChar char=""/>
-            </a:pPr>
-            <a:r>
-              <a:rPr lang="es-EC" sz="3000" b="1">
+            </a:pPr>
+            <a:r>
+              <a:rPr lang="es-EC" sz="3000" b="1" dirty="0">
                 <a:latin typeface="Colibri"/>
               </a:rPr>
               <a:t>Escritorio</a:t>
             </a:r>
-            <a:endParaRPr/>
+            <a:endParaRPr dirty="0"/>
+          </a:p>
+          <a:p>
+            <a:pPr>
+              <a:buSzPct val="45000"/>
+            </a:pPr>
+            <a:r>
+              <a:rPr lang="es-EC" sz="2400" dirty="0">
+                <a:latin typeface="Colibri"/>
+              </a:rPr>
+              <a:t>Es la interfaz gráfica del software creada para hacer un espacio cómodo y sencillo para ver y acceder a los programas y operaciones disponibles en nuestra computadora. En el se pueden acceder a los iconos,  archivos y barra de tareas</a:t>
+            </a:r>
+            <a:endParaRPr dirty="0"/>
           </a:p>
           <a:p>
             <a:pPr>
@@ -6669,13 +6697,47 @@
               <a:buFont typeface="StarSymbol"/>
               <a:buChar char=""/>
             </a:pPr>
-            <a:r>
-              <a:rPr lang="es-EC" sz="2400">
+            <a:endParaRPr dirty="0"/>
+          </a:p>
+          <a:p>
+            <a:pPr>
+              <a:buSzPct val="45000"/>
+            </a:pPr>
+            <a:r>
+              <a:rPr lang="es-EC" sz="3000" b="1" dirty="0">
                 <a:latin typeface="Colibri"/>
               </a:rPr>
-              <a:t>Es la interfaz gráfica del software creada para hacer un espacio cómodo y sencillo para ver y acceder a los programas y operaciones disponibles en nuestra computadora. En el se pueden acceder a los iconos,  archivos y barra de tareas</a:t>
-            </a:r>
-            <a:endParaRPr/>
+              <a:t>Botón Inicio</a:t>
+            </a:r>
+            <a:endParaRPr dirty="0"/>
+          </a:p>
+          <a:p>
+            <a:pPr marL="342900" indent="-342900">
+              <a:buSzPct val="45000"/>
+              <a:buFont typeface="Wingdings" pitchFamily="2" charset="2"/>
+              <a:buChar char="Ø"/>
+            </a:pPr>
+            <a:r>
+              <a:rPr lang="es-EC" sz="2400" dirty="0">
+                <a:latin typeface="Colibri"/>
+              </a:rPr>
+              <a:t>Es uno de los accesos más importantes que utilizarás mientras trabajes con Windows XP.</a:t>
+            </a:r>
+            <a:endParaRPr dirty="0"/>
+          </a:p>
+          <a:p>
+            <a:pPr marL="342900" indent="-342900">
+              <a:buSzPct val="45000"/>
+              <a:buFont typeface="Wingdings" pitchFamily="2" charset="2"/>
+              <a:buChar char="Ø"/>
+            </a:pPr>
+            <a:r>
+              <a:rPr lang="es-EC" sz="2400" dirty="0">
+                <a:latin typeface="Colibri"/>
+              </a:rPr>
+              <a:t>Este botón te permite abrir menús e ingresar a las diferentes aplicaciones de tu computador.</a:t>
+            </a:r>
+            <a:endParaRPr dirty="0"/>
           </a:p>
           <a:p>
             <a:pPr>
@@ -6683,7 +6745,19 @@
               <a:buFont typeface="StarSymbol"/>
               <a:buChar char=""/>
             </a:pPr>
-            <a:endParaRPr/>
+            <a:endParaRPr dirty="0"/>
+          </a:p>
+          <a:p>
+            <a:pPr>
+              <a:buSzPct val="45000"/>
+            </a:pPr>
+            <a:r>
+              <a:rPr lang="es-EC" sz="3000" b="1" dirty="0">
+                <a:latin typeface="Colibri"/>
+              </a:rPr>
+              <a:t>Barra de tareas</a:t>
+            </a:r>
+            <a:endParaRPr dirty="0"/>
           </a:p>
           <a:p>
             <a:pPr>
@@ -6691,13 +6765,19 @@
               <a:buFont typeface="StarSymbol"/>
               <a:buChar char=""/>
             </a:pPr>
-            <a:r>
-              <a:rPr lang="es-EC" sz="3000" b="1">
+            <a:endParaRPr dirty="0"/>
+          </a:p>
+          <a:p>
+            <a:pPr>
+              <a:buSzPct val="45000"/>
+            </a:pPr>
+            <a:r>
+              <a:rPr lang="es-EC" sz="2400" dirty="0">
                 <a:latin typeface="Colibri"/>
               </a:rPr>
-              <a:t>Botón Inicio</a:t>
-            </a:r>
-            <a:endParaRPr/>
+              <a:t>Utilizada principalmente para desplazarse entre ventanas abiertas y aplicaciones. Te muestra qué programas está ejecutando el computador.</a:t>
+            </a:r>
+            <a:endParaRPr dirty="0"/>
           </a:p>
           <a:p>
             <a:pPr>
@@ -6705,79 +6785,7 @@
               <a:buFont typeface="StarSymbol"/>
               <a:buChar char=""/>
             </a:pPr>
-            <a:r>
-              <a:rPr lang="es-EC" sz="2400">
-                <a:latin typeface="Colibri"/>
-              </a:rPr>
-              <a:t>Es uno de los accesos más importantes que utilizarás mientras trabajes con Windows XP.</a:t>
-            </a:r>
-            <a:endParaRPr/>
-          </a:p>
-          <a:p>
-            <a:pPr>
-              <a:buSzPct val="45000"/>
-              <a:buFont typeface="StarSymbol"/>
-              <a:buChar char=""/>
-            </a:pPr>
-            <a:r>
-              <a:rPr lang="es-EC" sz="2400">
-                <a:latin typeface="Colibri"/>
-              </a:rPr>
-              <a:t>Este botón te permite abrir menús e ingresar a las diferentes aplicaciones de tu computador.</a:t>
-            </a:r>
-            <a:endParaRPr/>
-          </a:p>
-          <a:p>
-            <a:pPr>
-              <a:buSzPct val="45000"/>
-              <a:buFont typeface="StarSymbol"/>
-              <a:buChar char=""/>
-            </a:pPr>
-            <a:endParaRPr/>
-          </a:p>
-          <a:p>
-            <a:pPr>
-              <a:buSzPct val="45000"/>
-              <a:buFont typeface="StarSymbol"/>
-              <a:buChar char=""/>
-            </a:pPr>
-            <a:r>
-              <a:rPr lang="es-EC" sz="3000" b="1">
-                <a:latin typeface="Colibri"/>
-              </a:rPr>
-              <a:t>Barra de tareas</a:t>
-            </a:r>
-            <a:endParaRPr/>
-          </a:p>
-          <a:p>
-            <a:pPr>
-              <a:buSzPct val="45000"/>
-              <a:buFont typeface="StarSymbol"/>
-              <a:buChar char=""/>
-            </a:pPr>
-            <a:endParaRPr/>
-          </a:p>
-          <a:p>
-            <a:pPr>
-              <a:buSzPct val="45000"/>
-              <a:buFont typeface="StarSymbol"/>
-              <a:buChar char=""/>
-            </a:pPr>
-            <a:r>
-              <a:rPr lang="es-EC" sz="2400">
-                <a:latin typeface="Colibri"/>
-              </a:rPr>
-              <a:t>Utilizada principalmente para desplazarse entre ventanas abiertas y aplicaciones. Te muestra qué programas está ejecutando el computador.</a:t>
-            </a:r>
-            <a:endParaRPr/>
-          </a:p>
-          <a:p>
-            <a:pPr>
-              <a:buSzPct val="45000"/>
-              <a:buFont typeface="StarSymbol"/>
-              <a:buChar char=""/>
-            </a:pPr>
-            <a:endParaRPr/>
+            <a:endParaRPr dirty="0"/>
           </a:p>
         </p:txBody>
       </p:sp>
@@ -6854,30 +6862,118 @@
           <a:p>
             <a:pPr>
               <a:buSzPct val="45000"/>
-              <a:buFont typeface="StarSymbol"/>
-              <a:buChar char=""/>
-            </a:pPr>
-            <a:r>
-              <a:rPr lang="es-EC" sz="2400" b="1">
+            </a:pPr>
+            <a:r>
+              <a:rPr lang="es-EC" sz="2400" b="1" dirty="0">
                 <a:latin typeface="Arial"/>
               </a:rPr>
               <a:t>Iconos</a:t>
             </a:r>
-            <a:endParaRPr/>
+            <a:endParaRPr dirty="0"/>
           </a:p>
           <a:p>
             <a:pPr>
               <a:buSzPct val="45000"/>
-              <a:buFont typeface="StarSymbol"/>
-              <a:buChar char=""/>
-            </a:pPr>
-            <a:r>
-              <a:rPr lang="es-EC" sz="2400">
+            </a:pPr>
+            <a:r>
+              <a:rPr lang="es-EC" sz="2400" dirty="0">
                 <a:latin typeface="Arial"/>
               </a:rPr>
-              <a:t>La función de los iconos al igual que los botones, es de abrir de manera inmediata un programa ejecutable al hacer click en una pequeña imagen en el escritorio. De manera breve los iconos son archivos o accesos que se encuentran el el escritorio para ejecutarlos de manera rápida. Estos  podemos organizarlos al hacer click derecho en el escritorio. Pueden organizarse por  :</a:t>
-            </a:r>
-            <a:endParaRPr/>
+              <a:t>La función de los iconos al igual que los botones, es de abrir de manera inmediata un programa ejecutable al hacer </a:t>
+            </a:r>
+            <a:r>
+              <a:rPr lang="es-EC" sz="2400" dirty="0" err="1">
+                <a:latin typeface="Arial"/>
+              </a:rPr>
+              <a:t>click</a:t>
+            </a:r>
+            <a:r>
+              <a:rPr lang="es-EC" sz="2400" dirty="0">
+                <a:latin typeface="Arial"/>
+              </a:rPr>
+              <a:t> en una pequeña imagen en el escritorio. De manera breve los iconos son archivos o accesos que se encuentran el </a:t>
+            </a:r>
+            <a:r>
+              <a:rPr lang="es-EC" sz="2400" dirty="0" err="1">
+                <a:latin typeface="Arial"/>
+              </a:rPr>
+              <a:t>el</a:t>
+            </a:r>
+            <a:r>
+              <a:rPr lang="es-EC" sz="2400" dirty="0">
+                <a:latin typeface="Arial"/>
+              </a:rPr>
+              <a:t> escritorio para ejecutarlos de manera rápida. Estos  podemos organizarlos al hacer </a:t>
+            </a:r>
+            <a:r>
+              <a:rPr lang="es-EC" sz="2400" dirty="0" err="1">
+                <a:latin typeface="Arial"/>
+              </a:rPr>
+              <a:t>click</a:t>
+            </a:r>
+            <a:r>
+              <a:rPr lang="es-EC" sz="2400" dirty="0">
+                <a:latin typeface="Arial"/>
+              </a:rPr>
+              <a:t> derecho en el escritorio. Pueden organizarse por  :</a:t>
+            </a:r>
+            <a:endParaRPr dirty="0"/>
+          </a:p>
+          <a:p>
+            <a:pPr marL="800100" lvl="1" indent="-342900">
+              <a:buSzPct val="45000"/>
+              <a:buFont typeface="Wingdings" pitchFamily="2" charset="2"/>
+              <a:buChar char="Ø"/>
+            </a:pPr>
+            <a:r>
+              <a:rPr lang="es-EC" sz="2400" dirty="0">
+                <a:latin typeface="Arial"/>
+              </a:rPr>
+              <a:t>Nombre</a:t>
+            </a:r>
+            <a:endParaRPr dirty="0"/>
+          </a:p>
+          <a:p>
+            <a:pPr marL="800100" lvl="1" indent="-342900">
+              <a:buSzPct val="45000"/>
+              <a:buFont typeface="Wingdings" pitchFamily="2" charset="2"/>
+              <a:buChar char="Ø"/>
+            </a:pPr>
+            <a:r>
+              <a:rPr lang="es-EC" sz="2400" dirty="0">
+                <a:latin typeface="Arial"/>
+              </a:rPr>
+              <a:t>Tamaño</a:t>
+            </a:r>
+            <a:endParaRPr dirty="0"/>
+          </a:p>
+          <a:p>
+            <a:pPr marL="800100" lvl="1" indent="-342900">
+              <a:buSzPct val="45000"/>
+              <a:buFont typeface="Wingdings" pitchFamily="2" charset="2"/>
+              <a:buChar char="Ø"/>
+            </a:pPr>
+            <a:r>
+              <a:rPr lang="es-EC" sz="2400" dirty="0">
+                <a:latin typeface="Arial"/>
+              </a:rPr>
+              <a:t>Tipo</a:t>
+            </a:r>
+            <a:endParaRPr dirty="0"/>
+          </a:p>
+          <a:p>
+            <a:pPr marL="800100" lvl="1" indent="-342900">
+              <a:buSzPct val="45000"/>
+              <a:buFont typeface="Wingdings" pitchFamily="2" charset="2"/>
+              <a:buChar char="Ø"/>
+            </a:pPr>
+            <a:r>
+              <a:rPr lang="es-EC" sz="2400" dirty="0">
+                <a:latin typeface="Arial"/>
+              </a:rPr>
+              <a:t>Modificado</a:t>
+            </a:r>
+            <a:endParaRPr dirty="0"/>
           </a:p>
           <a:p>
             <a:pPr lvl="1">
@@ -6885,91 +6981,31 @@
               <a:buFont typeface="StarSymbol"/>
               <a:buChar char=""/>
             </a:pPr>
-            <a:r>
-              <a:rPr lang="es-EC" sz="2400">
-                <a:latin typeface="Arial"/>
-              </a:rPr>
-              <a:t>Nombre</a:t>
-            </a:r>
-            <a:endParaRPr/>
-          </a:p>
-          <a:p>
-            <a:pPr lvl="1">
-              <a:buSzPct val="45000"/>
-              <a:buFont typeface="StarSymbol"/>
-              <a:buChar char=""/>
-            </a:pPr>
-            <a:r>
-              <a:rPr lang="es-EC" sz="2400">
-                <a:latin typeface="Arial"/>
-              </a:rPr>
-              <a:t>Tamaño</a:t>
-            </a:r>
-            <a:endParaRPr/>
-          </a:p>
-          <a:p>
-            <a:pPr lvl="1">
-              <a:buSzPct val="45000"/>
-              <a:buFont typeface="StarSymbol"/>
-              <a:buChar char=""/>
-            </a:pPr>
-            <a:r>
-              <a:rPr lang="es-EC" sz="2400">
-                <a:latin typeface="Arial"/>
-              </a:rPr>
-              <a:t>Tipo</a:t>
-            </a:r>
-            <a:endParaRPr/>
-          </a:p>
-          <a:p>
-            <a:pPr lvl="1">
-              <a:buSzPct val="45000"/>
-              <a:buFont typeface="StarSymbol"/>
-              <a:buChar char=""/>
-            </a:pPr>
-            <a:r>
-              <a:rPr lang="es-EC" sz="2400">
-                <a:latin typeface="Arial"/>
-              </a:rPr>
-              <a:t>Modificado</a:t>
-            </a:r>
-            <a:endParaRPr/>
-          </a:p>
-          <a:p>
-            <a:pPr lvl="1">
-              <a:buSzPct val="45000"/>
-              <a:buFont typeface="StarSymbol"/>
-              <a:buChar char=""/>
-            </a:pPr>
-            <a:endParaRPr/>
+            <a:endParaRPr dirty="0"/>
           </a:p>
           <a:p>
             <a:pPr>
               <a:buSzPct val="45000"/>
-              <a:buFont typeface="StarSymbol"/>
-              <a:buChar char=""/>
-            </a:pPr>
-            <a:r>
-              <a:rPr lang="es-EC" sz="2400" b="1">
+            </a:pPr>
+            <a:r>
+              <a:rPr lang="es-EC" sz="2400" b="1" dirty="0">
                 <a:latin typeface="Arial"/>
               </a:rPr>
               <a:t>Fondo o Papel Tapiz</a:t>
             </a:r>
-            <a:endParaRPr/>
+            <a:endParaRPr dirty="0"/>
           </a:p>
           <a:p>
             <a:pPr>
               <a:buSzPct val="45000"/>
-              <a:buFont typeface="StarSymbol"/>
-              <a:buChar char=""/>
-            </a:pPr>
-            <a:r>
-              <a:rPr lang="es-EC" sz="2400">
+            </a:pPr>
+            <a:r>
+              <a:rPr lang="es-EC" sz="2400" dirty="0">
                 <a:latin typeface="Arial"/>
               </a:rPr>
               <a:t>El fondo de escritorio es nada más que la imagen de presentación de la interfaz gráfica de usuario; la cual puede ser cambiada y ajustada.</a:t>
             </a:r>
-            <a:endParaRPr/>
+            <a:endParaRPr dirty="0"/>
           </a:p>
         </p:txBody>
       </p:sp>
@@ -7077,10 +7113,10 @@
           <a:bodyPr lIns="0" tIns="0" rIns="0" bIns="0"/>
           <a:lstStyle/>
           <a:p>
-            <a:pPr>
+            <a:pPr marL="342900" indent="-342900">
               <a:buSzPct val="45000"/>
-              <a:buFont typeface="StarSymbol"/>
-              <a:buChar char=""/>
+              <a:buFont typeface="Wingdings" pitchFamily="2" charset="2"/>
+              <a:buChar char="Ø"/>
             </a:pPr>
             <a:r>
               <a:rPr lang="es-EC" sz="2400" dirty="0">
@@ -7091,10 +7127,10 @@
             <a:endParaRPr sz="2400" dirty="0"/>
           </a:p>
           <a:p>
-            <a:pPr>
+            <a:pPr marL="342900" indent="-342900">
               <a:buSzPct val="45000"/>
-              <a:buFont typeface="StarSymbol"/>
-              <a:buChar char=""/>
+              <a:buFont typeface="Wingdings" pitchFamily="2" charset="2"/>
+              <a:buChar char="Ø"/>
             </a:pPr>
             <a:r>
               <a:rPr lang="es-EC" sz="2400" dirty="0">
@@ -7105,10 +7141,10 @@
             <a:endParaRPr sz="2400" dirty="0"/>
           </a:p>
           <a:p>
-            <a:pPr>
+            <a:pPr marL="342900" indent="-342900">
               <a:buSzPct val="45000"/>
-              <a:buFont typeface="StarSymbol"/>
-              <a:buChar char=""/>
+              <a:buFont typeface="Wingdings" pitchFamily="2" charset="2"/>
+              <a:buChar char="Ø"/>
             </a:pPr>
             <a:r>
               <a:rPr lang="es-EC" sz="2400" dirty="0">
@@ -7131,10 +7167,10 @@
             <a:endParaRPr sz="2400" dirty="0"/>
           </a:p>
           <a:p>
-            <a:pPr>
+            <a:pPr marL="342900" indent="-342900">
               <a:buSzPct val="45000"/>
-              <a:buFont typeface="StarSymbol"/>
-              <a:buChar char=""/>
+              <a:buFont typeface="Wingdings" pitchFamily="2" charset="2"/>
+              <a:buChar char="Ø"/>
             </a:pPr>
             <a:r>
               <a:rPr lang="es-EC" sz="2400" dirty="0">
@@ -7145,10 +7181,10 @@
             <a:endParaRPr sz="2400" dirty="0"/>
           </a:p>
           <a:p>
-            <a:pPr>
+            <a:pPr marL="342900" indent="-342900">
               <a:buSzPct val="45000"/>
-              <a:buFont typeface="StarSymbol"/>
-              <a:buChar char=""/>
+              <a:buFont typeface="Wingdings" pitchFamily="2" charset="2"/>
+              <a:buChar char="Ø"/>
             </a:pPr>
             <a:r>
               <a:rPr lang="es-EC" sz="2400" dirty="0">
@@ -7342,7 +7378,7 @@
         </p:nvSpPr>
         <p:spPr>
           <a:xfrm>
-            <a:off x="457200" y="261000"/>
+            <a:off x="76200" y="261000"/>
             <a:ext cx="8229600" cy="1132200"/>
           </a:xfrm>
           <a:prstGeom prst="rect">
@@ -7355,7 +7391,7 @@
           <a:p>
             <a:pPr algn="ctr"/>
             <a:r>
-              <a:rPr lang="es-EC" sz="5220" dirty="0" smtClean="0">
+              <a:rPr lang="es-EC" sz="4400" dirty="0" smtClean="0">
                 <a:solidFill>
                   <a:srgbClr val="000000"/>
                 </a:solidFill>
@@ -7364,7 +7400,7 @@
               <a:t>Propiedades de la Barra </a:t>
             </a:r>
             <a:r>
-              <a:rPr lang="es-EC" sz="5220" dirty="0">
+              <a:rPr lang="es-EC" sz="4400" dirty="0">
                 <a:solidFill>
                   <a:srgbClr val="000000"/>
                 </a:solidFill>
@@ -7372,7 +7408,7 @@
               </a:rPr>
               <a:t>de Tareas</a:t>
             </a:r>
-            <a:endParaRPr dirty="0"/>
+            <a:endParaRPr sz="4400" dirty="0"/>
           </a:p>
         </p:txBody>
       </p:sp>
@@ -7409,7 +7445,7 @@
         </p:nvSpPr>
         <p:spPr>
           <a:xfrm>
-            <a:off x="72000" y="1188720"/>
+            <a:off x="72000" y="1568640"/>
             <a:ext cx="5272560" cy="5441760"/>
           </a:xfrm>
           <a:prstGeom prst="rect">
@@ -7420,10 +7456,10 @@
           <a:bodyPr lIns="90000" tIns="45000" rIns="90000" bIns="45000"/>
           <a:lstStyle/>
           <a:p>
-            <a:pPr>
+            <a:pPr marL="342900" indent="-342900">
               <a:buSzPct val="45000"/>
-              <a:buFont typeface="StarSymbol"/>
-              <a:buChar char=""/>
+              <a:buFont typeface="Wingdings" pitchFamily="2" charset="2"/>
+              <a:buChar char="Ø"/>
             </a:pPr>
             <a:r>
               <a:rPr lang="es-EC" sz="2400" dirty="0">
@@ -7434,10 +7470,10 @@
             <a:endParaRPr dirty="0"/>
           </a:p>
           <a:p>
-            <a:pPr>
+            <a:pPr marL="342900" indent="-342900">
               <a:buSzPct val="45000"/>
-              <a:buFont typeface="StarSymbol"/>
-              <a:buChar char=""/>
+              <a:buFont typeface="Wingdings" pitchFamily="2" charset="2"/>
+              <a:buChar char="Ø"/>
             </a:pPr>
             <a:r>
               <a:rPr lang="es-EC" sz="2400" dirty="0">
@@ -7520,10 +7556,10 @@
           <a:bodyPr lIns="0" tIns="0" rIns="0" bIns="0"/>
           <a:lstStyle/>
           <a:p>
-            <a:pPr>
+            <a:pPr marL="342900" indent="-342900">
               <a:buSzPct val="45000"/>
-              <a:buFont typeface="StarSymbol"/>
-              <a:buChar char=""/>
+              <a:buFont typeface="Wingdings" pitchFamily="2" charset="2"/>
+              <a:buChar char="Ø"/>
             </a:pPr>
             <a:r>
               <a:rPr lang="es-EC" sz="2200" dirty="0">
@@ -7540,10 +7576,10 @@
             <a:endParaRPr sz="2200" dirty="0"/>
           </a:p>
           <a:p>
-            <a:pPr>
+            <a:pPr marL="342900" indent="-342900">
               <a:buSzPct val="45000"/>
-              <a:buFont typeface="StarSymbol"/>
-              <a:buChar char=""/>
+              <a:buFont typeface="Wingdings" pitchFamily="2" charset="2"/>
+              <a:buChar char="Ø"/>
             </a:pPr>
             <a:r>
               <a:rPr lang="es-EC" sz="2200" dirty="0">
@@ -7554,10 +7590,10 @@
             <a:endParaRPr sz="2200" dirty="0"/>
           </a:p>
           <a:p>
-            <a:pPr lvl="2">
+            <a:pPr marL="1257300" lvl="2" indent="-342900">
               <a:buSzPct val="75000"/>
-              <a:buFont typeface="StarSymbol"/>
-              <a:buChar char=""/>
+              <a:buFont typeface="Wingdings" pitchFamily="2" charset="2"/>
+              <a:buChar char="Ø"/>
             </a:pPr>
             <a:r>
               <a:rPr lang="es-EC" sz="2200" dirty="0">
@@ -7568,10 +7604,10 @@
             <a:endParaRPr sz="2200" dirty="0"/>
           </a:p>
           <a:p>
-            <a:pPr lvl="2">
+            <a:pPr marL="1257300" lvl="2" indent="-342900">
               <a:buSzPct val="75000"/>
-              <a:buFont typeface="StarSymbol"/>
-              <a:buChar char=""/>
+              <a:buFont typeface="Wingdings" pitchFamily="2" charset="2"/>
+              <a:buChar char="Ø"/>
             </a:pPr>
             <a:r>
               <a:rPr lang="es-EC" sz="2200" dirty="0">
@@ -7582,10 +7618,10 @@
             <a:endParaRPr sz="2200" dirty="0"/>
           </a:p>
           <a:p>
-            <a:pPr lvl="2">
+            <a:pPr marL="1257300" lvl="2" indent="-342900">
               <a:buSzPct val="75000"/>
-              <a:buFont typeface="StarSymbol"/>
-              <a:buChar char=""/>
+              <a:buFont typeface="Wingdings" pitchFamily="2" charset="2"/>
+              <a:buChar char="Ø"/>
             </a:pPr>
             <a:r>
               <a:rPr lang="es-EC" sz="2200" dirty="0">
@@ -7596,10 +7632,10 @@
             <a:endParaRPr sz="2200" dirty="0"/>
           </a:p>
           <a:p>
-            <a:pPr lvl="2">
+            <a:pPr marL="1257300" lvl="2" indent="-342900">
               <a:buSzPct val="75000"/>
-              <a:buFont typeface="StarSymbol"/>
-              <a:buChar char=""/>
+              <a:buFont typeface="Wingdings" pitchFamily="2" charset="2"/>
+              <a:buChar char="Ø"/>
             </a:pPr>
             <a:r>
               <a:rPr lang="es-EC" sz="2200" dirty="0">
